--- a/Daily Cost.pptx
+++ b/Daily Cost.pptx
@@ -6,7 +6,6 @@
   </p:sldMasterIdLst>
   <p:sldIdLst>
     <p:sldId id="256" r:id="rId2"/>
-    <p:sldId id="257" r:id="rId3"/>
   </p:sldIdLst>
   <p:sldSz cx="12192000" cy="6858000"/>
   <p:notesSz cx="6858000" cy="9144000"/>
@@ -105,6 +104,11 @@
       </a:defRPr>
     </a:lvl9pPr>
   </p:defaultTextStyle>
+  <p:extLst>
+    <p:ext uri="{EFAFB233-063F-42B5-8137-9DF3F51BA10A}">
+      <p15:sldGuideLst xmlns:p15="http://schemas.microsoft.com/office/powerpoint/2012/main"/>
+    </p:ext>
+  </p:extLst>
 </p:presentation>
 </file>
 
@@ -255,7 +259,7 @@
           <a:p>
             <a:fld id="{F1B7BF32-2EE5-4C73-84F9-C8119C8944F8}" type="datetimeFigureOut">
               <a:rPr lang="en-US" smtClean="0"/>
-              <a:t>9/3/2021</a:t>
+              <a:t>9/4/2021</a:t>
             </a:fld>
             <a:endParaRPr lang="en-US"/>
           </a:p>
@@ -453,7 +457,7 @@
           <a:p>
             <a:fld id="{F1B7BF32-2EE5-4C73-84F9-C8119C8944F8}" type="datetimeFigureOut">
               <a:rPr lang="en-US" smtClean="0"/>
-              <a:t>9/3/2021</a:t>
+              <a:t>9/4/2021</a:t>
             </a:fld>
             <a:endParaRPr lang="en-US"/>
           </a:p>
@@ -661,7 +665,7 @@
           <a:p>
             <a:fld id="{F1B7BF32-2EE5-4C73-84F9-C8119C8944F8}" type="datetimeFigureOut">
               <a:rPr lang="en-US" smtClean="0"/>
-              <a:t>9/3/2021</a:t>
+              <a:t>9/4/2021</a:t>
             </a:fld>
             <a:endParaRPr lang="en-US"/>
           </a:p>
@@ -859,7 +863,7 @@
           <a:p>
             <a:fld id="{F1B7BF32-2EE5-4C73-84F9-C8119C8944F8}" type="datetimeFigureOut">
               <a:rPr lang="en-US" smtClean="0"/>
-              <a:t>9/3/2021</a:t>
+              <a:t>9/4/2021</a:t>
             </a:fld>
             <a:endParaRPr lang="en-US"/>
           </a:p>
@@ -1134,7 +1138,7 @@
           <a:p>
             <a:fld id="{F1B7BF32-2EE5-4C73-84F9-C8119C8944F8}" type="datetimeFigureOut">
               <a:rPr lang="en-US" smtClean="0"/>
-              <a:t>9/3/2021</a:t>
+              <a:t>9/4/2021</a:t>
             </a:fld>
             <a:endParaRPr lang="en-US"/>
           </a:p>
@@ -1399,7 +1403,7 @@
           <a:p>
             <a:fld id="{F1B7BF32-2EE5-4C73-84F9-C8119C8944F8}" type="datetimeFigureOut">
               <a:rPr lang="en-US" smtClean="0"/>
-              <a:t>9/3/2021</a:t>
+              <a:t>9/4/2021</a:t>
             </a:fld>
             <a:endParaRPr lang="en-US"/>
           </a:p>
@@ -1811,7 +1815,7 @@
           <a:p>
             <a:fld id="{F1B7BF32-2EE5-4C73-84F9-C8119C8944F8}" type="datetimeFigureOut">
               <a:rPr lang="en-US" smtClean="0"/>
-              <a:t>9/3/2021</a:t>
+              <a:t>9/4/2021</a:t>
             </a:fld>
             <a:endParaRPr lang="en-US"/>
           </a:p>
@@ -1952,7 +1956,7 @@
           <a:p>
             <a:fld id="{F1B7BF32-2EE5-4C73-84F9-C8119C8944F8}" type="datetimeFigureOut">
               <a:rPr lang="en-US" smtClean="0"/>
-              <a:t>9/3/2021</a:t>
+              <a:t>9/4/2021</a:t>
             </a:fld>
             <a:endParaRPr lang="en-US"/>
           </a:p>
@@ -2065,7 +2069,7 @@
           <a:p>
             <a:fld id="{F1B7BF32-2EE5-4C73-84F9-C8119C8944F8}" type="datetimeFigureOut">
               <a:rPr lang="en-US" smtClean="0"/>
-              <a:t>9/3/2021</a:t>
+              <a:t>9/4/2021</a:t>
             </a:fld>
             <a:endParaRPr lang="en-US"/>
           </a:p>
@@ -2376,7 +2380,7 @@
           <a:p>
             <a:fld id="{F1B7BF32-2EE5-4C73-84F9-C8119C8944F8}" type="datetimeFigureOut">
               <a:rPr lang="en-US" smtClean="0"/>
-              <a:t>9/3/2021</a:t>
+              <a:t>9/4/2021</a:t>
             </a:fld>
             <a:endParaRPr lang="en-US"/>
           </a:p>
@@ -2664,7 +2668,7 @@
           <a:p>
             <a:fld id="{F1B7BF32-2EE5-4C73-84F9-C8119C8944F8}" type="datetimeFigureOut">
               <a:rPr lang="en-US" smtClean="0"/>
-              <a:t>9/3/2021</a:t>
+              <a:t>9/4/2021</a:t>
             </a:fld>
             <a:endParaRPr lang="en-US"/>
           </a:p>
@@ -2905,7 +2909,7 @@
           <a:p>
             <a:fld id="{F1B7BF32-2EE5-4C73-84F9-C8119C8944F8}" type="datetimeFigureOut">
               <a:rPr lang="en-US" smtClean="0"/>
-              <a:t>9/3/2021</a:t>
+              <a:t>9/4/2021</a:t>
             </a:fld>
             <a:endParaRPr lang="en-US"/>
           </a:p>
@@ -3503,7 +3507,7 @@
         <p:spPr>
           <a:xfrm>
             <a:off x="838200" y="365125"/>
-            <a:ext cx="5393361" cy="1325563"/>
+            <a:ext cx="4604199" cy="1325563"/>
           </a:xfrm>
         </p:spPr>
         <p:txBody>
@@ -3513,10 +3517,34 @@
           <a:lstStyle/>
           <a:p>
             <a:r>
-              <a:rPr lang="en-US" b="1">
+              <a:rPr lang="en-US" b="1" dirty="0">
                 <a:latin typeface="Arial Black" panose="020B0A04020102020204" pitchFamily="34" charset="0"/>
               </a:rPr>
-              <a:t>Daily Cost</a:t>
+              <a:t>Daily </a:t>
+            </a:r>
+            <a:r>
+              <a:rPr lang="en-US" b="1" dirty="0">
+                <a:solidFill>
+                  <a:srgbClr val="FF0000"/>
+                </a:solidFill>
+                <a:latin typeface="Arial Black" panose="020B0A04020102020204" pitchFamily="34" charset="0"/>
+              </a:rPr>
+              <a:t>Expense</a:t>
+            </a:r>
+            <a:r>
+              <a:rPr lang="en-US" b="1" dirty="0">
+                <a:latin typeface="Arial Black" panose="020B0A04020102020204" pitchFamily="34" charset="0"/>
+              </a:rPr>
+              <a:t> </a:t>
+            </a:r>
+            <a:r>
+              <a:rPr lang="en-US" b="1" dirty="0">
+                <a:solidFill>
+                  <a:srgbClr val="FF0000"/>
+                </a:solidFill>
+                <a:latin typeface="Arial Black" panose="020B0A04020102020204" pitchFamily="34" charset="0"/>
+              </a:rPr>
+              <a:t>Tracker</a:t>
             </a:r>
           </a:p>
         </p:txBody>
@@ -3673,61 +3701,187 @@
           <a:p>
             <a:r>
               <a:rPr lang="en-US" sz="1800" b="1" dirty="0"/>
-              <a:t>Maintain your daily income</a:t>
+              <a:t>Maintain your </a:t>
+            </a:r>
+            <a:r>
+              <a:rPr lang="en-US" sz="1800" b="1" dirty="0">
+                <a:solidFill>
+                  <a:srgbClr val="FF0000"/>
+                </a:solidFill>
+              </a:rPr>
+              <a:t>daily income</a:t>
             </a:r>
           </a:p>
           <a:p>
             <a:r>
               <a:rPr lang="en-US" sz="1800" b="1" dirty="0"/>
-              <a:t>Maintain your daily cost/expenses</a:t>
+              <a:t>Maintain your </a:t>
+            </a:r>
+            <a:r>
+              <a:rPr lang="en-US" sz="1800" b="1" dirty="0">
+                <a:solidFill>
+                  <a:srgbClr val="FF0000"/>
+                </a:solidFill>
+              </a:rPr>
+              <a:t>daily cost/expenses</a:t>
             </a:r>
           </a:p>
           <a:p>
             <a:r>
               <a:rPr lang="en-US" sz="1800" b="1" dirty="0"/>
-              <a:t>Maintain your loan/ Leasing</a:t>
+              <a:t>Maintain your </a:t>
+            </a:r>
+            <a:r>
+              <a:rPr lang="en-US" sz="1800" b="1" dirty="0">
+                <a:solidFill>
+                  <a:srgbClr val="FF0000"/>
+                </a:solidFill>
+              </a:rPr>
+              <a:t>loan/Leasing</a:t>
             </a:r>
           </a:p>
           <a:p>
             <a:r>
               <a:rPr lang="en-US" sz="1800" b="1" dirty="0"/>
-              <a:t>Maintain your loan and leasing installment plan</a:t>
+              <a:t>Maintain your </a:t>
+            </a:r>
+            <a:r>
+              <a:rPr lang="en-US" sz="1800" b="1" dirty="0">
+                <a:solidFill>
+                  <a:srgbClr val="FF0000"/>
+                </a:solidFill>
+              </a:rPr>
+              <a:t>loan and leasing installment plan</a:t>
             </a:r>
           </a:p>
           <a:p>
             <a:r>
               <a:rPr lang="en-US" sz="1800" b="1" dirty="0"/>
-              <a:t>Check current status of your loan and leasing account</a:t>
+              <a:t>Check current status of your </a:t>
+            </a:r>
+            <a:r>
+              <a:rPr lang="en-US" sz="1800" b="1" dirty="0">
+                <a:solidFill>
+                  <a:srgbClr val="FF0000"/>
+                </a:solidFill>
+              </a:rPr>
+              <a:t>loan and leasing account</a:t>
             </a:r>
           </a:p>
           <a:p>
             <a:r>
               <a:rPr lang="en-US" sz="1800" b="1" dirty="0"/>
-              <a:t>Summarized you monthly asset</a:t>
+              <a:t>Summarized you </a:t>
+            </a:r>
+            <a:r>
+              <a:rPr lang="en-US" sz="1800" b="1" dirty="0">
+                <a:solidFill>
+                  <a:srgbClr val="FF0000"/>
+                </a:solidFill>
+              </a:rPr>
+              <a:t>monthly asset</a:t>
             </a:r>
           </a:p>
           <a:p>
             <a:r>
               <a:rPr lang="en-US" sz="1800" b="1" dirty="0"/>
-              <a:t>Summarized you yearly asset</a:t>
-            </a:r>
-          </a:p>
-          <a:p>
+              <a:t>Summarized you </a:t>
+            </a:r>
+            <a:r>
+              <a:rPr lang="en-US" sz="1800" b="1" dirty="0">
+                <a:solidFill>
+                  <a:srgbClr val="FF0000"/>
+                </a:solidFill>
+              </a:rPr>
+              <a:t>yearly asset</a:t>
+            </a:r>
+          </a:p>
+          <a:p>
+            <a:r>
+              <a:rPr lang="en-US" sz="1800" b="1"/>
+              <a:t>Money </a:t>
+            </a:r>
+            <a:r>
+              <a:rPr lang="en-US" sz="1800" b="1">
+                <a:solidFill>
+                  <a:srgbClr val="FF0000"/>
+                </a:solidFill>
+              </a:rPr>
+              <a:t>saving </a:t>
+            </a:r>
+            <a:r>
+              <a:rPr lang="en-US" sz="1800" b="1" dirty="0">
+                <a:solidFill>
+                  <a:srgbClr val="FF0000"/>
+                </a:solidFill>
+              </a:rPr>
+              <a:t>plan (Budget)</a:t>
+            </a:r>
+          </a:p>
+          <a:p>
+            <a:r>
+              <a:rPr lang="en-US" sz="1800" b="1" dirty="0">
+                <a:solidFill>
+                  <a:srgbClr val="FF0000"/>
+                </a:solidFill>
+              </a:rPr>
+              <a:t>Graphically</a:t>
+            </a:r>
             <a:r>
               <a:rPr lang="en-US" sz="1800" b="1" dirty="0"/>
-              <a:t>Money save plan</a:t>
-            </a:r>
-          </a:p>
-          <a:p>
+              <a:t> view of </a:t>
+            </a:r>
+            <a:r>
+              <a:rPr lang="en-US" sz="1800" b="1" dirty="0">
+                <a:solidFill>
+                  <a:srgbClr val="FF0000"/>
+                </a:solidFill>
+              </a:rPr>
+              <a:t>monthly income</a:t>
+            </a:r>
             <a:r>
               <a:rPr lang="en-US" sz="1800" b="1" dirty="0"/>
-              <a:t>Graphically view of monthly income status</a:t>
-            </a:r>
-          </a:p>
-          <a:p>
+              <a:t> status</a:t>
+            </a:r>
+          </a:p>
+          <a:p>
+            <a:r>
+              <a:rPr lang="en-US" sz="1800" b="1" dirty="0">
+                <a:solidFill>
+                  <a:srgbClr val="FF0000"/>
+                </a:solidFill>
+              </a:rPr>
+              <a:t>Graphically</a:t>
+            </a:r>
             <a:r>
               <a:rPr lang="en-US" sz="1800" b="1" dirty="0"/>
-              <a:t>Graphically view of monthly cost status</a:t>
+              <a:t> view of </a:t>
+            </a:r>
+            <a:r>
+              <a:rPr lang="en-US" sz="1800" b="1" dirty="0">
+                <a:solidFill>
+                  <a:srgbClr val="FF0000"/>
+                </a:solidFill>
+              </a:rPr>
+              <a:t>monthly cost/expense</a:t>
+            </a:r>
+            <a:r>
+              <a:rPr lang="en-US" sz="1800" b="1" dirty="0"/>
+              <a:t> status</a:t>
+            </a:r>
+          </a:p>
+          <a:p>
+            <a:r>
+              <a:rPr lang="en-US" sz="1800" b="1" dirty="0"/>
+              <a:t>Latest </a:t>
+            </a:r>
+            <a:r>
+              <a:rPr lang="en-US" sz="1800" b="1" dirty="0">
+                <a:solidFill>
+                  <a:srgbClr val="FF0000"/>
+                </a:solidFill>
+              </a:rPr>
+              <a:t>News Update</a:t>
             </a:r>
           </a:p>
           <a:p>
@@ -4778,1488 +4932,6 @@
     <p:extLst>
       <p:ext uri="{BB962C8B-B14F-4D97-AF65-F5344CB8AC3E}">
         <p14:creationId xmlns:p14="http://schemas.microsoft.com/office/powerpoint/2010/main" val="2506556948"/>
-      </p:ext>
-    </p:extLst>
-  </p:cSld>
-  <p:clrMapOvr>
-    <a:masterClrMapping/>
-  </p:clrMapOvr>
-</p:sld>
-</file>
-
-<file path=ppt/slides/slide2.xml><?xml version="1.0" encoding="utf-8"?>
-<p:sld xmlns:a="http://schemas.openxmlformats.org/drawingml/2006/main" xmlns:r="http://schemas.openxmlformats.org/officeDocument/2006/relationships" xmlns:p="http://schemas.openxmlformats.org/presentationml/2006/main">
-  <p:cSld>
-    <p:bg>
-      <p:bgPr>
-        <a:solidFill>
-          <a:schemeClr val="bg1"/>
-        </a:solidFill>
-        <a:effectLst/>
-      </p:bgPr>
-    </p:bg>
-    <p:spTree>
-      <p:nvGrpSpPr>
-        <p:cNvPr id="1" name=""/>
-        <p:cNvGrpSpPr/>
-        <p:nvPr/>
-      </p:nvGrpSpPr>
-      <p:grpSpPr>
-        <a:xfrm>
-          <a:off x="0" y="0"/>
-          <a:ext cx="0" cy="0"/>
-          <a:chOff x="0" y="0"/>
-          <a:chExt cx="0" cy="0"/>
-        </a:xfrm>
-      </p:grpSpPr>
-      <p:sp useBgFill="1">
-        <p:nvSpPr>
-          <p:cNvPr id="23" name="Rectangle 13">
-            <a:extLst>
-              <a:ext uri="{FF2B5EF4-FFF2-40B4-BE49-F238E27FC236}">
-                <a16:creationId xmlns:a16="http://schemas.microsoft.com/office/drawing/2014/main" id="{1CD81A2A-6ED4-4EF4-A14C-912D31E14800}"/>
-              </a:ext>
-              <a:ext uri="{C183D7F6-B498-43B3-948B-1728B52AA6E4}">
-                <adec:decorative xmlns:adec="http://schemas.microsoft.com/office/drawing/2017/decorative" val="1"/>
-              </a:ext>
-            </a:extLst>
-          </p:cNvPr>
-          <p:cNvSpPr>
-            <a:spLocks noGrp="1" noRot="1" noChangeAspect="1" noMove="1" noResize="1" noEditPoints="1" noAdjustHandles="1" noChangeArrowheads="1" noChangeShapeType="1" noTextEdit="1"/>
-          </p:cNvSpPr>
-          <p:nvPr>
-            <p:extLst>
-              <p:ext uri="{386F3935-93C4-4BCD-93E2-E3B085C9AB24}">
-                <p16:designElem xmlns:p16="http://schemas.microsoft.com/office/powerpoint/2015/main" val="1"/>
-              </p:ext>
-            </p:extLst>
-          </p:nvPr>
-        </p:nvSpPr>
-        <p:spPr bwMode="white">
-          <a:xfrm>
-            <a:off x="0" y="0"/>
-            <a:ext cx="12192000" cy="6858000"/>
-          </a:xfrm>
-          <a:prstGeom prst="rect">
-            <a:avLst/>
-          </a:prstGeom>
-          <a:ln>
-            <a:noFill/>
-          </a:ln>
-        </p:spPr>
-        <p:style>
-          <a:lnRef idx="2">
-            <a:schemeClr val="accent1">
-              <a:shade val="50000"/>
-            </a:schemeClr>
-          </a:lnRef>
-          <a:fillRef idx="1">
-            <a:schemeClr val="accent1"/>
-          </a:fillRef>
-          <a:effectRef idx="0">
-            <a:schemeClr val="accent1"/>
-          </a:effectRef>
-          <a:fontRef idx="minor">
-            <a:schemeClr val="lt1"/>
-          </a:fontRef>
-        </p:style>
-        <p:txBody>
-          <a:bodyPr rtlCol="0" anchor="ctr"/>
-          <a:lstStyle>
-            <a:defPPr>
-              <a:defRPr lang="en-US"/>
-            </a:defPPr>
-            <a:lvl1pPr marL="0" algn="l" defTabSz="914400" rtl="0" eaLnBrk="1" latinLnBrk="0" hangingPunct="1">
-              <a:defRPr sz="1800" kern="1200">
-                <a:solidFill>
-                  <a:schemeClr val="lt1"/>
-                </a:solidFill>
-                <a:latin typeface="+mn-lt"/>
-                <a:ea typeface="+mn-ea"/>
-                <a:cs typeface="+mn-cs"/>
-              </a:defRPr>
-            </a:lvl1pPr>
-            <a:lvl2pPr marL="457200" algn="l" defTabSz="914400" rtl="0" eaLnBrk="1" latinLnBrk="0" hangingPunct="1">
-              <a:defRPr sz="1800" kern="1200">
-                <a:solidFill>
-                  <a:schemeClr val="lt1"/>
-                </a:solidFill>
-                <a:latin typeface="+mn-lt"/>
-                <a:ea typeface="+mn-ea"/>
-                <a:cs typeface="+mn-cs"/>
-              </a:defRPr>
-            </a:lvl2pPr>
-            <a:lvl3pPr marL="914400" algn="l" defTabSz="914400" rtl="0" eaLnBrk="1" latinLnBrk="0" hangingPunct="1">
-              <a:defRPr sz="1800" kern="1200">
-                <a:solidFill>
-                  <a:schemeClr val="lt1"/>
-                </a:solidFill>
-                <a:latin typeface="+mn-lt"/>
-                <a:ea typeface="+mn-ea"/>
-                <a:cs typeface="+mn-cs"/>
-              </a:defRPr>
-            </a:lvl3pPr>
-            <a:lvl4pPr marL="1371600" algn="l" defTabSz="914400" rtl="0" eaLnBrk="1" latinLnBrk="0" hangingPunct="1">
-              <a:defRPr sz="1800" kern="1200">
-                <a:solidFill>
-                  <a:schemeClr val="lt1"/>
-                </a:solidFill>
-                <a:latin typeface="+mn-lt"/>
-                <a:ea typeface="+mn-ea"/>
-                <a:cs typeface="+mn-cs"/>
-              </a:defRPr>
-            </a:lvl4pPr>
-            <a:lvl5pPr marL="1828800" algn="l" defTabSz="914400" rtl="0" eaLnBrk="1" latinLnBrk="0" hangingPunct="1">
-              <a:defRPr sz="1800" kern="1200">
-                <a:solidFill>
-                  <a:schemeClr val="lt1"/>
-                </a:solidFill>
-                <a:latin typeface="+mn-lt"/>
-                <a:ea typeface="+mn-ea"/>
-                <a:cs typeface="+mn-cs"/>
-              </a:defRPr>
-            </a:lvl5pPr>
-            <a:lvl6pPr marL="2286000" algn="l" defTabSz="914400" rtl="0" eaLnBrk="1" latinLnBrk="0" hangingPunct="1">
-              <a:defRPr sz="1800" kern="1200">
-                <a:solidFill>
-                  <a:schemeClr val="lt1"/>
-                </a:solidFill>
-                <a:latin typeface="+mn-lt"/>
-                <a:ea typeface="+mn-ea"/>
-                <a:cs typeface="+mn-cs"/>
-              </a:defRPr>
-            </a:lvl6pPr>
-            <a:lvl7pPr marL="2743200" algn="l" defTabSz="914400" rtl="0" eaLnBrk="1" latinLnBrk="0" hangingPunct="1">
-              <a:defRPr sz="1800" kern="1200">
-                <a:solidFill>
-                  <a:schemeClr val="lt1"/>
-                </a:solidFill>
-                <a:latin typeface="+mn-lt"/>
-                <a:ea typeface="+mn-ea"/>
-                <a:cs typeface="+mn-cs"/>
-              </a:defRPr>
-            </a:lvl7pPr>
-            <a:lvl8pPr marL="3200400" algn="l" defTabSz="914400" rtl="0" eaLnBrk="1" latinLnBrk="0" hangingPunct="1">
-              <a:defRPr sz="1800" kern="1200">
-                <a:solidFill>
-                  <a:schemeClr val="lt1"/>
-                </a:solidFill>
-                <a:latin typeface="+mn-lt"/>
-                <a:ea typeface="+mn-ea"/>
-                <a:cs typeface="+mn-cs"/>
-              </a:defRPr>
-            </a:lvl8pPr>
-            <a:lvl9pPr marL="3657600" algn="l" defTabSz="914400" rtl="0" eaLnBrk="1" latinLnBrk="0" hangingPunct="1">
-              <a:defRPr sz="1800" kern="1200">
-                <a:solidFill>
-                  <a:schemeClr val="lt1"/>
-                </a:solidFill>
-                <a:latin typeface="+mn-lt"/>
-                <a:ea typeface="+mn-ea"/>
-                <a:cs typeface="+mn-cs"/>
-              </a:defRPr>
-            </a:lvl9pPr>
-          </a:lstStyle>
-          <a:p>
-            <a:pPr algn="ctr"/>
-            <a:endParaRPr lang="en-US"/>
-          </a:p>
-        </p:txBody>
-      </p:sp>
-      <p:sp>
-        <p:nvSpPr>
-          <p:cNvPr id="2" name="Title 1">
-            <a:extLst>
-              <a:ext uri="{FF2B5EF4-FFF2-40B4-BE49-F238E27FC236}">
-                <a16:creationId xmlns:a16="http://schemas.microsoft.com/office/drawing/2014/main" id="{F2D7BFD5-98FD-43FC-9FBD-14307C64D1BF}"/>
-              </a:ext>
-            </a:extLst>
-          </p:cNvPr>
-          <p:cNvSpPr>
-            <a:spLocks noGrp="1"/>
-          </p:cNvSpPr>
-          <p:nvPr>
-            <p:ph type="title"/>
-          </p:nvPr>
-        </p:nvSpPr>
-        <p:spPr>
-          <a:xfrm>
-            <a:off x="838200" y="365125"/>
-            <a:ext cx="5393361" cy="1325563"/>
-          </a:xfrm>
-        </p:spPr>
-        <p:txBody>
-          <a:bodyPr>
-            <a:normAutofit/>
-          </a:bodyPr>
-          <a:lstStyle/>
-          <a:p>
-            <a:r>
-              <a:rPr lang="en-US" b="1">
-                <a:latin typeface="Arial Black" panose="020B0A04020102020204" pitchFamily="34" charset="0"/>
-              </a:rPr>
-              <a:t>Daily Cost</a:t>
-            </a:r>
-          </a:p>
-        </p:txBody>
-      </p:sp>
-      <p:sp>
-        <p:nvSpPr>
-          <p:cNvPr id="25" name="Freeform: Shape 15">
-            <a:extLst>
-              <a:ext uri="{FF2B5EF4-FFF2-40B4-BE49-F238E27FC236}">
-                <a16:creationId xmlns:a16="http://schemas.microsoft.com/office/drawing/2014/main" id="{1661932C-CA15-4E17-B115-FAE7CBEE4789}"/>
-              </a:ext>
-              <a:ext uri="{C183D7F6-B498-43B3-948B-1728B52AA6E4}">
-                <adec:decorative xmlns:adec="http://schemas.microsoft.com/office/drawing/2017/decorative" val="1"/>
-              </a:ext>
-            </a:extLst>
-          </p:cNvPr>
-          <p:cNvSpPr>
-            <a:spLocks noGrp="1" noRot="1" noChangeAspect="1" noMove="1" noResize="1" noEditPoints="1" noAdjustHandles="1" noChangeArrowheads="1" noChangeShapeType="1" noTextEdit="1"/>
-          </p:cNvSpPr>
-          <p:nvPr>
-            <p:extLst>
-              <p:ext uri="{386F3935-93C4-4BCD-93E2-E3B085C9AB24}">
-                <p16:designElem xmlns:p16="http://schemas.microsoft.com/office/powerpoint/2015/main" val="1"/>
-              </p:ext>
-            </p:extLst>
-          </p:nvPr>
-        </p:nvSpPr>
-        <p:spPr>
-          <a:xfrm>
-            <a:off x="10198657" y="1"/>
-            <a:ext cx="1155142" cy="625027"/>
-          </a:xfrm>
-          <a:custGeom>
-            <a:avLst/>
-            <a:gdLst>
-              <a:gd name="connsiteX0" fmla="*/ 4784 w 1155142"/>
-              <a:gd name="connsiteY0" fmla="*/ 0 h 625027"/>
-              <a:gd name="connsiteX1" fmla="*/ 1150358 w 1155142"/>
-              <a:gd name="connsiteY1" fmla="*/ 0 h 625027"/>
-              <a:gd name="connsiteX2" fmla="*/ 1155142 w 1155142"/>
-              <a:gd name="connsiteY2" fmla="*/ 47456 h 625027"/>
-              <a:gd name="connsiteX3" fmla="*/ 577571 w 1155142"/>
-              <a:gd name="connsiteY3" fmla="*/ 625027 h 625027"/>
-              <a:gd name="connsiteX4" fmla="*/ 0 w 1155142"/>
-              <a:gd name="connsiteY4" fmla="*/ 47456 h 625027"/>
-            </a:gdLst>
-            <a:ahLst/>
-            <a:cxnLst>
-              <a:cxn ang="0">
-                <a:pos x="connsiteX0" y="connsiteY0"/>
-              </a:cxn>
-              <a:cxn ang="0">
-                <a:pos x="connsiteX1" y="connsiteY1"/>
-              </a:cxn>
-              <a:cxn ang="0">
-                <a:pos x="connsiteX2" y="connsiteY2"/>
-              </a:cxn>
-              <a:cxn ang="0">
-                <a:pos x="connsiteX3" y="connsiteY3"/>
-              </a:cxn>
-              <a:cxn ang="0">
-                <a:pos x="connsiteX4" y="connsiteY4"/>
-              </a:cxn>
-            </a:cxnLst>
-            <a:rect l="l" t="t" r="r" b="b"/>
-            <a:pathLst>
-              <a:path w="1155142" h="625027">
-                <a:moveTo>
-                  <a:pt x="4784" y="0"/>
-                </a:moveTo>
-                <a:lnTo>
-                  <a:pt x="1150358" y="0"/>
-                </a:lnTo>
-                <a:lnTo>
-                  <a:pt x="1155142" y="47456"/>
-                </a:lnTo>
-                <a:cubicBezTo>
-                  <a:pt x="1155142" y="366440"/>
-                  <a:pt x="896555" y="625027"/>
-                  <a:pt x="577571" y="625027"/>
-                </a:cubicBezTo>
-                <a:cubicBezTo>
-                  <a:pt x="258587" y="625027"/>
-                  <a:pt x="0" y="366440"/>
-                  <a:pt x="0" y="47456"/>
-                </a:cubicBezTo>
-                <a:close/>
-              </a:path>
-            </a:pathLst>
-          </a:custGeom>
-          <a:solidFill>
-            <a:schemeClr val="accent5">
-              <a:alpha val="95000"/>
-            </a:schemeClr>
-          </a:solidFill>
-          <a:ln>
-            <a:noFill/>
-          </a:ln>
-        </p:spPr>
-        <p:style>
-          <a:lnRef idx="2">
-            <a:schemeClr val="accent1">
-              <a:shade val="50000"/>
-            </a:schemeClr>
-          </a:lnRef>
-          <a:fillRef idx="1">
-            <a:schemeClr val="accent1"/>
-          </a:fillRef>
-          <a:effectRef idx="0">
-            <a:schemeClr val="accent1"/>
-          </a:effectRef>
-          <a:fontRef idx="minor">
-            <a:schemeClr val="lt1"/>
-          </a:fontRef>
-        </p:style>
-        <p:txBody>
-          <a:bodyPr wrap="square" rtlCol="0" anchor="ctr">
-            <a:noAutofit/>
-          </a:bodyPr>
-          <a:lstStyle/>
-          <a:p>
-            <a:pPr algn="ctr"/>
-            <a:endParaRPr lang="en-US"/>
-          </a:p>
-        </p:txBody>
-      </p:sp>
-      <p:sp>
-        <p:nvSpPr>
-          <p:cNvPr id="3" name="Subtitle 2">
-            <a:extLst>
-              <a:ext uri="{FF2B5EF4-FFF2-40B4-BE49-F238E27FC236}">
-                <a16:creationId xmlns:a16="http://schemas.microsoft.com/office/drawing/2014/main" id="{08F1B137-B1A1-41B4-A615-77EBF3A1A144}"/>
-              </a:ext>
-            </a:extLst>
-          </p:cNvPr>
-          <p:cNvSpPr>
-            <a:spLocks noGrp="1"/>
-          </p:cNvSpPr>
-          <p:nvPr>
-            <p:ph idx="1"/>
-          </p:nvPr>
-        </p:nvSpPr>
-        <p:spPr>
-          <a:xfrm>
-            <a:off x="838200" y="1825625"/>
-            <a:ext cx="5393361" cy="4351338"/>
-          </a:xfrm>
-        </p:spPr>
-        <p:txBody>
-          <a:bodyPr>
-            <a:normAutofit/>
-          </a:bodyPr>
-          <a:lstStyle/>
-          <a:p>
-            <a:r>
-              <a:rPr lang="en-US" sz="1800" b="1"/>
-              <a:t>Maintain your daily income</a:t>
-            </a:r>
-          </a:p>
-          <a:p>
-            <a:r>
-              <a:rPr lang="en-US" sz="1800" b="1"/>
-              <a:t>Maintain your daily cost/expenses</a:t>
-            </a:r>
-          </a:p>
-          <a:p>
-            <a:r>
-              <a:rPr lang="en-US" sz="1800" b="1"/>
-              <a:t>Maintain your loan/ Leasing</a:t>
-            </a:r>
-          </a:p>
-          <a:p>
-            <a:r>
-              <a:rPr lang="en-US" sz="1800" b="1"/>
-              <a:t>Maintain your loan and leasing installment plan</a:t>
-            </a:r>
-          </a:p>
-          <a:p>
-            <a:r>
-              <a:rPr lang="en-US" sz="1800" b="1"/>
-              <a:t>Check current status of your loan and leasing account</a:t>
-            </a:r>
-          </a:p>
-          <a:p>
-            <a:r>
-              <a:rPr lang="en-US" sz="1800" b="1"/>
-              <a:t>Summarized you monthly asset</a:t>
-            </a:r>
-          </a:p>
-          <a:p>
-            <a:r>
-              <a:rPr lang="en-US" sz="1800" b="1"/>
-              <a:t>Summarized you yearly asset</a:t>
-            </a:r>
-          </a:p>
-          <a:p>
-            <a:r>
-              <a:rPr lang="en-US" sz="1800" b="1"/>
-              <a:t>Money save plan</a:t>
-            </a:r>
-          </a:p>
-          <a:p>
-            <a:r>
-              <a:rPr lang="en-US" sz="1800" b="1"/>
-              <a:t>Graphically view of monthly income status</a:t>
-            </a:r>
-          </a:p>
-          <a:p>
-            <a:r>
-              <a:rPr lang="en-US" sz="1800" b="1"/>
-              <a:t>Graphically view of monthly cost status</a:t>
-            </a:r>
-          </a:p>
-          <a:p>
-            <a:endParaRPr lang="en-US" sz="1800"/>
-          </a:p>
-          <a:p>
-            <a:endParaRPr lang="en-US" sz="1800"/>
-          </a:p>
-        </p:txBody>
-      </p:sp>
-      <p:sp>
-        <p:nvSpPr>
-          <p:cNvPr id="18" name="Oval 17">
-            <a:extLst>
-              <a:ext uri="{FF2B5EF4-FFF2-40B4-BE49-F238E27FC236}">
-                <a16:creationId xmlns:a16="http://schemas.microsoft.com/office/drawing/2014/main" id="{8590ADD5-9383-4D3D-9047-3DA2593CCB5D}"/>
-              </a:ext>
-              <a:ext uri="{C183D7F6-B498-43B3-948B-1728B52AA6E4}">
-                <adec:decorative xmlns:adec="http://schemas.microsoft.com/office/drawing/2017/decorative" val="1"/>
-              </a:ext>
-            </a:extLst>
-          </p:cNvPr>
-          <p:cNvSpPr>
-            <a:spLocks noGrp="1" noRot="1" noChangeAspect="1" noMove="1" noResize="1" noEditPoints="1" noAdjustHandles="1" noChangeArrowheads="1" noChangeShapeType="1" noTextEdit="1"/>
-          </p:cNvSpPr>
-          <p:nvPr>
-            <p:extLst>
-              <p:ext uri="{386F3935-93C4-4BCD-93E2-E3B085C9AB24}">
-                <p16:designElem xmlns:p16="http://schemas.microsoft.com/office/powerpoint/2015/main" val="1"/>
-              </p:ext>
-            </p:extLst>
-          </p:nvPr>
-        </p:nvSpPr>
-        <p:spPr>
-          <a:xfrm>
-            <a:off x="6808185" y="3423959"/>
-            <a:ext cx="540822" cy="540822"/>
-          </a:xfrm>
-          <a:prstGeom prst="ellipse">
-            <a:avLst/>
-          </a:prstGeom>
-          <a:noFill/>
-          <a:ln w="127000">
-            <a:solidFill>
-              <a:schemeClr val="accent5"/>
-            </a:solidFill>
-          </a:ln>
-        </p:spPr>
-        <p:style>
-          <a:lnRef idx="2">
-            <a:schemeClr val="accent1">
-              <a:shade val="50000"/>
-            </a:schemeClr>
-          </a:lnRef>
-          <a:fillRef idx="1">
-            <a:schemeClr val="accent1"/>
-          </a:fillRef>
-          <a:effectRef idx="0">
-            <a:schemeClr val="accent1"/>
-          </a:effectRef>
-          <a:fontRef idx="minor">
-            <a:schemeClr val="lt1"/>
-          </a:fontRef>
-        </p:style>
-        <p:txBody>
-          <a:bodyPr rtlCol="0" anchor="ctr"/>
-          <a:lstStyle/>
-          <a:p>
-            <a:pPr algn="ctr"/>
-            <a:endParaRPr lang="en-US"/>
-          </a:p>
-        </p:txBody>
-      </p:sp>
-      <p:pic>
-        <p:nvPicPr>
-          <p:cNvPr id="9" name="Picture 8" descr="Icon&#10;&#10;Description automatically generated">
-            <a:extLst>
-              <a:ext uri="{FF2B5EF4-FFF2-40B4-BE49-F238E27FC236}">
-                <a16:creationId xmlns:a16="http://schemas.microsoft.com/office/drawing/2014/main" id="{97A55E2A-F83E-445D-909E-F1F67652259A}"/>
-              </a:ext>
-            </a:extLst>
-          </p:cNvPr>
-          <p:cNvPicPr>
-            <a:picLocks noChangeAspect="1"/>
-          </p:cNvPicPr>
-          <p:nvPr/>
-        </p:nvPicPr>
-        <p:blipFill>
-          <a:blip r:embed="rId2">
-            <a:extLst>
-              <a:ext uri="{28A0092B-C50C-407E-A947-70E740481C1C}">
-                <a14:useLocalDpi xmlns:a14="http://schemas.microsoft.com/office/drawing/2010/main" val="0"/>
-              </a:ext>
-            </a:extLst>
-          </a:blip>
-          <a:stretch>
-            <a:fillRect/>
-          </a:stretch>
-        </p:blipFill>
-        <p:spPr>
-          <a:xfrm>
-            <a:off x="7887184" y="1216485"/>
-            <a:ext cx="3781051" cy="3781051"/>
-          </a:xfrm>
-          <a:custGeom>
-            <a:avLst/>
-            <a:gdLst/>
-            <a:ahLst/>
-            <a:cxnLst/>
-            <a:rect l="l" t="t" r="r" b="b"/>
-            <a:pathLst>
-              <a:path w="4114800" h="5712488">
-                <a:moveTo>
-                  <a:pt x="133155" y="0"/>
-                </a:moveTo>
-                <a:lnTo>
-                  <a:pt x="3981645" y="0"/>
-                </a:lnTo>
-                <a:cubicBezTo>
-                  <a:pt x="4055184" y="0"/>
-                  <a:pt x="4114800" y="59616"/>
-                  <a:pt x="4114800" y="133155"/>
-                </a:cubicBezTo>
-                <a:lnTo>
-                  <a:pt x="4114800" y="5579333"/>
-                </a:lnTo>
-                <a:cubicBezTo>
-                  <a:pt x="4114800" y="5652872"/>
-                  <a:pt x="4055184" y="5712488"/>
-                  <a:pt x="3981645" y="5712488"/>
-                </a:cubicBezTo>
-                <a:lnTo>
-                  <a:pt x="133155" y="5712488"/>
-                </a:lnTo>
-                <a:cubicBezTo>
-                  <a:pt x="59616" y="5712488"/>
-                  <a:pt x="0" y="5652872"/>
-                  <a:pt x="0" y="5579333"/>
-                </a:cubicBezTo>
-                <a:lnTo>
-                  <a:pt x="0" y="133155"/>
-                </a:lnTo>
-                <a:cubicBezTo>
-                  <a:pt x="0" y="59616"/>
-                  <a:pt x="59616" y="0"/>
-                  <a:pt x="133155" y="0"/>
-                </a:cubicBezTo>
-                <a:close/>
-              </a:path>
-            </a:pathLst>
-          </a:custGeom>
-        </p:spPr>
-      </p:pic>
-      <p:sp>
-        <p:nvSpPr>
-          <p:cNvPr id="20" name="Freeform: Shape 19">
-            <a:extLst>
-              <a:ext uri="{FF2B5EF4-FFF2-40B4-BE49-F238E27FC236}">
-                <a16:creationId xmlns:a16="http://schemas.microsoft.com/office/drawing/2014/main" id="{DABE3E45-88CF-45D8-8D40-C773324D93F6}"/>
-              </a:ext>
-              <a:ext uri="{C183D7F6-B498-43B3-948B-1728B52AA6E4}">
-                <adec:decorative xmlns:adec="http://schemas.microsoft.com/office/drawing/2017/decorative" val="1"/>
-              </a:ext>
-            </a:extLst>
-          </p:cNvPr>
-          <p:cNvSpPr>
-            <a:spLocks noGrp="1" noRot="1" noChangeAspect="1" noMove="1" noResize="1" noEditPoints="1" noAdjustHandles="1" noChangeArrowheads="1" noChangeShapeType="1" noTextEdit="1"/>
-          </p:cNvSpPr>
-          <p:nvPr>
-            <p:extLst>
-              <p:ext uri="{386F3935-93C4-4BCD-93E2-E3B085C9AB24}">
-                <p16:designElem xmlns:p16="http://schemas.microsoft.com/office/powerpoint/2015/main" val="1"/>
-              </p:ext>
-            </p:extLst>
-          </p:nvPr>
-        </p:nvSpPr>
-        <p:spPr>
-          <a:xfrm>
-            <a:off x="6749602" y="1"/>
-            <a:ext cx="2066948" cy="1621879"/>
-          </a:xfrm>
-          <a:custGeom>
-            <a:avLst/>
-            <a:gdLst>
-              <a:gd name="connsiteX0" fmla="*/ 0 w 2066948"/>
-              <a:gd name="connsiteY0" fmla="*/ 0 h 1621879"/>
-              <a:gd name="connsiteX1" fmla="*/ 123825 w 2066948"/>
-              <a:gd name="connsiteY1" fmla="*/ 0 h 1621879"/>
-              <a:gd name="connsiteX2" fmla="*/ 123825 w 2066948"/>
-              <a:gd name="connsiteY2" fmla="*/ 1452620 h 1621879"/>
-              <a:gd name="connsiteX3" fmla="*/ 1881378 w 2066948"/>
-              <a:gd name="connsiteY3" fmla="*/ 436017 h 1621879"/>
-              <a:gd name="connsiteX4" fmla="*/ 1127572 w 2066948"/>
-              <a:gd name="connsiteY4" fmla="*/ 0 h 1621879"/>
-              <a:gd name="connsiteX5" fmla="*/ 1374887 w 2066948"/>
-              <a:gd name="connsiteY5" fmla="*/ 0 h 1621879"/>
-              <a:gd name="connsiteX6" fmla="*/ 2035969 w 2066948"/>
-              <a:gd name="connsiteY6" fmla="*/ 382391 h 1621879"/>
-              <a:gd name="connsiteX7" fmla="*/ 2058648 w 2066948"/>
-              <a:gd name="connsiteY7" fmla="*/ 466963 h 1621879"/>
-              <a:gd name="connsiteX8" fmla="*/ 2035969 w 2066948"/>
-              <a:gd name="connsiteY8" fmla="*/ 489642 h 1621879"/>
-              <a:gd name="connsiteX9" fmla="*/ 92869 w 2066948"/>
-              <a:gd name="connsiteY9" fmla="*/ 1613592 h 1621879"/>
-              <a:gd name="connsiteX10" fmla="*/ 61913 w 2066948"/>
-              <a:gd name="connsiteY10" fmla="*/ 1621879 h 1621879"/>
-              <a:gd name="connsiteX11" fmla="*/ 0 w 2066948"/>
-              <a:gd name="connsiteY11" fmla="*/ 1559967 h 1621879"/>
-            </a:gdLst>
-            <a:ahLst/>
-            <a:cxnLst>
-              <a:cxn ang="0">
-                <a:pos x="connsiteX0" y="connsiteY0"/>
-              </a:cxn>
-              <a:cxn ang="0">
-                <a:pos x="connsiteX1" y="connsiteY1"/>
-              </a:cxn>
-              <a:cxn ang="0">
-                <a:pos x="connsiteX2" y="connsiteY2"/>
-              </a:cxn>
-              <a:cxn ang="0">
-                <a:pos x="connsiteX3" y="connsiteY3"/>
-              </a:cxn>
-              <a:cxn ang="0">
-                <a:pos x="connsiteX4" y="connsiteY4"/>
-              </a:cxn>
-              <a:cxn ang="0">
-                <a:pos x="connsiteX5" y="connsiteY5"/>
-              </a:cxn>
-              <a:cxn ang="0">
-                <a:pos x="connsiteX6" y="connsiteY6"/>
-              </a:cxn>
-              <a:cxn ang="0">
-                <a:pos x="connsiteX7" y="connsiteY7"/>
-              </a:cxn>
-              <a:cxn ang="0">
-                <a:pos x="connsiteX8" y="connsiteY8"/>
-              </a:cxn>
-              <a:cxn ang="0">
-                <a:pos x="connsiteX9" y="connsiteY9"/>
-              </a:cxn>
-              <a:cxn ang="0">
-                <a:pos x="connsiteX10" y="connsiteY10"/>
-              </a:cxn>
-              <a:cxn ang="0">
-                <a:pos x="connsiteX11" y="connsiteY11"/>
-              </a:cxn>
-            </a:cxnLst>
-            <a:rect l="l" t="t" r="r" b="b"/>
-            <a:pathLst>
-              <a:path w="2066948" h="1621879">
-                <a:moveTo>
-                  <a:pt x="0" y="0"/>
-                </a:moveTo>
-                <a:lnTo>
-                  <a:pt x="123825" y="0"/>
-                </a:lnTo>
-                <a:lnTo>
-                  <a:pt x="123825" y="1452620"/>
-                </a:lnTo>
-                <a:lnTo>
-                  <a:pt x="1881378" y="436017"/>
-                </a:lnTo>
-                <a:lnTo>
-                  <a:pt x="1127572" y="0"/>
-                </a:lnTo>
-                <a:lnTo>
-                  <a:pt x="1374887" y="0"/>
-                </a:lnTo>
-                <a:lnTo>
-                  <a:pt x="2035969" y="382391"/>
-                </a:lnTo>
-                <a:cubicBezTo>
-                  <a:pt x="2065582" y="399479"/>
-                  <a:pt x="2075745" y="437340"/>
-                  <a:pt x="2058648" y="466963"/>
-                </a:cubicBezTo>
-                <a:cubicBezTo>
-                  <a:pt x="2053219" y="476384"/>
-                  <a:pt x="2045389" y="484204"/>
-                  <a:pt x="2035969" y="489642"/>
-                </a:cubicBezTo>
-                <a:lnTo>
-                  <a:pt x="92869" y="1613592"/>
-                </a:lnTo>
-                <a:cubicBezTo>
-                  <a:pt x="83458" y="1619031"/>
-                  <a:pt x="72780" y="1621889"/>
-                  <a:pt x="61913" y="1621879"/>
-                </a:cubicBezTo>
-                <a:cubicBezTo>
-                  <a:pt x="27719" y="1621879"/>
-                  <a:pt x="0" y="1594161"/>
-                  <a:pt x="0" y="1559967"/>
-                </a:cubicBezTo>
-                <a:close/>
-              </a:path>
-            </a:pathLst>
-          </a:custGeom>
-          <a:solidFill>
-            <a:schemeClr val="accent6"/>
-          </a:solidFill>
-          <a:ln w="9525" cap="flat">
-            <a:noFill/>
-            <a:prstDash val="solid"/>
-            <a:miter/>
-          </a:ln>
-        </p:spPr>
-        <p:txBody>
-          <a:bodyPr rtlCol="0" anchor="ctr"/>
-          <a:lstStyle/>
-          <a:p>
-            <a:endParaRPr lang="en-US"/>
-          </a:p>
-        </p:txBody>
-      </p:sp>
-      <p:cxnSp>
-        <p:nvCxnSpPr>
-          <p:cNvPr id="22" name="Straight Connector 21">
-            <a:extLst>
-              <a:ext uri="{FF2B5EF4-FFF2-40B4-BE49-F238E27FC236}">
-                <a16:creationId xmlns:a16="http://schemas.microsoft.com/office/drawing/2014/main" id="{49CD1692-827B-4C8D-B4A1-134FD04CF45C}"/>
-              </a:ext>
-              <a:ext uri="{C183D7F6-B498-43B3-948B-1728B52AA6E4}">
-                <adec:decorative xmlns:adec="http://schemas.microsoft.com/office/drawing/2017/decorative" val="1"/>
-              </a:ext>
-            </a:extLst>
-          </p:cNvPr>
-          <p:cNvCxnSpPr>
-            <a:cxnSpLocks noGrp="1" noRot="1" noChangeAspect="1" noMove="1" noResize="1" noEditPoints="1" noAdjustHandles="1" noChangeArrowheads="1" noChangeShapeType="1"/>
-          </p:cNvCxnSpPr>
-          <p:nvPr>
-            <p:extLst>
-              <p:ext uri="{386F3935-93C4-4BCD-93E2-E3B085C9AB24}">
-                <p16:designElem xmlns:p16="http://schemas.microsoft.com/office/powerpoint/2015/main" val="1"/>
-              </p:ext>
-            </p:extLst>
-          </p:nvPr>
-        </p:nvCxnSpPr>
-        <p:spPr>
-          <a:xfrm>
-            <a:off x="12138745" y="1027906"/>
-            <a:ext cx="0" cy="1597708"/>
-          </a:xfrm>
-          <a:prstGeom prst="line">
-            <a:avLst/>
-          </a:prstGeom>
-          <a:ln w="127000" cap="rnd">
-            <a:solidFill>
-              <a:schemeClr val="accent4"/>
-            </a:solidFill>
-            <a:prstDash val="dash"/>
-          </a:ln>
-        </p:spPr>
-        <p:style>
-          <a:lnRef idx="1">
-            <a:schemeClr val="accent1"/>
-          </a:lnRef>
-          <a:fillRef idx="0">
-            <a:schemeClr val="accent1"/>
-          </a:fillRef>
-          <a:effectRef idx="0">
-            <a:schemeClr val="accent1"/>
-          </a:effectRef>
-          <a:fontRef idx="minor">
-            <a:schemeClr val="tx1"/>
-          </a:fontRef>
-        </p:style>
-      </p:cxnSp>
-      <p:sp>
-        <p:nvSpPr>
-          <p:cNvPr id="24" name="Freeform: Shape 23">
-            <a:extLst>
-              <a:ext uri="{FF2B5EF4-FFF2-40B4-BE49-F238E27FC236}">
-                <a16:creationId xmlns:a16="http://schemas.microsoft.com/office/drawing/2014/main" id="{B91ECDA9-56DC-4270-8F33-01C5637B8CEB}"/>
-              </a:ext>
-              <a:ext uri="{C183D7F6-B498-43B3-948B-1728B52AA6E4}">
-                <adec:decorative xmlns:adec="http://schemas.microsoft.com/office/drawing/2017/decorative" val="1"/>
-              </a:ext>
-            </a:extLst>
-          </p:cNvPr>
-          <p:cNvSpPr>
-            <a:spLocks noGrp="1" noRot="1" noChangeAspect="1" noMove="1" noResize="1" noEditPoints="1" noAdjustHandles="1" noChangeArrowheads="1" noChangeShapeType="1" noTextEdit="1"/>
-          </p:cNvSpPr>
-          <p:nvPr>
-            <p:extLst>
-              <p:ext uri="{386F3935-93C4-4BCD-93E2-E3B085C9AB24}">
-                <p16:designElem xmlns:p16="http://schemas.microsoft.com/office/powerpoint/2015/main" val="1"/>
-              </p:ext>
-            </p:extLst>
-          </p:nvPr>
-        </p:nvSpPr>
-        <p:spPr>
-          <a:xfrm rot="20463438">
-            <a:off x="7456580" y="5166682"/>
-            <a:ext cx="1835725" cy="2024785"/>
-          </a:xfrm>
-          <a:custGeom>
-            <a:avLst/>
-            <a:gdLst>
-              <a:gd name="connsiteX0" fmla="*/ 1801138 w 1835725"/>
-              <a:gd name="connsiteY0" fmla="*/ 1622662 h 2024785"/>
-              <a:gd name="connsiteX1" fmla="*/ 1835717 w 1835725"/>
-              <a:gd name="connsiteY1" fmla="*/ 1680254 h 2024785"/>
-              <a:gd name="connsiteX2" fmla="*/ 1812568 w 1835725"/>
-              <a:gd name="connsiteY2" fmla="*/ 1877193 h 2024785"/>
-              <a:gd name="connsiteX3" fmla="*/ 1776210 w 1835725"/>
-              <a:gd name="connsiteY3" fmla="*/ 2024785 h 2024785"/>
-              <a:gd name="connsiteX4" fmla="*/ 1655772 w 1835725"/>
-              <a:gd name="connsiteY4" fmla="*/ 1983449 h 2024785"/>
-              <a:gd name="connsiteX5" fmla="*/ 1687591 w 1835725"/>
-              <a:gd name="connsiteY5" fmla="*/ 1854495 h 2024785"/>
-              <a:gd name="connsiteX6" fmla="*/ 1708939 w 1835725"/>
-              <a:gd name="connsiteY6" fmla="*/ 1673301 h 2024785"/>
-              <a:gd name="connsiteX7" fmla="*/ 1778129 w 1835725"/>
-              <a:gd name="connsiteY7" fmla="*/ 1615979 h 2024785"/>
-              <a:gd name="connsiteX8" fmla="*/ 1801138 w 1835725"/>
-              <a:gd name="connsiteY8" fmla="*/ 1622662 h 2024785"/>
-              <a:gd name="connsiteX9" fmla="*/ 1585229 w 1835725"/>
-              <a:gd name="connsiteY9" fmla="*/ 764759 h 2024785"/>
-              <a:gd name="connsiteX10" fmla="*/ 1623024 w 1835725"/>
-              <a:gd name="connsiteY10" fmla="*/ 792810 h 2024785"/>
-              <a:gd name="connsiteX11" fmla="*/ 1777614 w 1835725"/>
-              <a:gd name="connsiteY11" fmla="*/ 1157141 h 2024785"/>
-              <a:gd name="connsiteX12" fmla="*/ 1733799 w 1835725"/>
-              <a:gd name="connsiteY12" fmla="*/ 1235532 h 2024785"/>
-              <a:gd name="connsiteX13" fmla="*/ 1716464 w 1835725"/>
-              <a:gd name="connsiteY13" fmla="*/ 1237722 h 2024785"/>
-              <a:gd name="connsiteX14" fmla="*/ 1716464 w 1835725"/>
-              <a:gd name="connsiteY14" fmla="*/ 1237913 h 2024785"/>
-              <a:gd name="connsiteX15" fmla="*/ 1655409 w 1835725"/>
-              <a:gd name="connsiteY15" fmla="*/ 1191717 h 2024785"/>
-              <a:gd name="connsiteX16" fmla="*/ 1513200 w 1835725"/>
-              <a:gd name="connsiteY16" fmla="*/ 856627 h 2024785"/>
-              <a:gd name="connsiteX17" fmla="*/ 1538499 w 1835725"/>
-              <a:gd name="connsiteY17" fmla="*/ 770415 h 2024785"/>
-              <a:gd name="connsiteX18" fmla="*/ 1585229 w 1835725"/>
-              <a:gd name="connsiteY18" fmla="*/ 764759 h 2024785"/>
-              <a:gd name="connsiteX19" fmla="*/ 477919 w 1835725"/>
-              <a:gd name="connsiteY19" fmla="*/ 21437 h 2024785"/>
-              <a:gd name="connsiteX20" fmla="*/ 509236 w 1835725"/>
-              <a:gd name="connsiteY20" fmla="*/ 84182 h 2024785"/>
-              <a:gd name="connsiteX21" fmla="*/ 445829 w 1835725"/>
-              <a:gd name="connsiteY21" fmla="*/ 139871 h 2024785"/>
-              <a:gd name="connsiteX22" fmla="*/ 437447 w 1835725"/>
-              <a:gd name="connsiteY22" fmla="*/ 139395 h 2024785"/>
-              <a:gd name="connsiteX23" fmla="*/ 73211 w 1835725"/>
-              <a:gd name="connsiteY23" fmla="*/ 137204 h 2024785"/>
-              <a:gd name="connsiteX24" fmla="*/ 749 w 1835725"/>
-              <a:gd name="connsiteY24" fmla="*/ 84082 h 2024785"/>
-              <a:gd name="connsiteX25" fmla="*/ 53871 w 1835725"/>
-              <a:gd name="connsiteY25" fmla="*/ 11621 h 2024785"/>
-              <a:gd name="connsiteX26" fmla="*/ 58352 w 1835725"/>
-              <a:gd name="connsiteY26" fmla="*/ 11093 h 2024785"/>
-              <a:gd name="connsiteX27" fmla="*/ 454020 w 1835725"/>
-              <a:gd name="connsiteY27" fmla="*/ 13474 h 2024785"/>
-              <a:gd name="connsiteX28" fmla="*/ 477919 w 1835725"/>
-              <a:gd name="connsiteY28" fmla="*/ 21437 h 2024785"/>
-              <a:gd name="connsiteX29" fmla="*/ 957797 w 1835725"/>
-              <a:gd name="connsiteY29" fmla="*/ 167970 h 2024785"/>
-              <a:gd name="connsiteX30" fmla="*/ 1286982 w 1835725"/>
-              <a:gd name="connsiteY30" fmla="*/ 387616 h 2024785"/>
-              <a:gd name="connsiteX31" fmla="*/ 1293725 w 1835725"/>
-              <a:gd name="connsiteY31" fmla="*/ 477075 h 2024785"/>
-              <a:gd name="connsiteX32" fmla="*/ 1245453 w 1835725"/>
-              <a:gd name="connsiteY32" fmla="*/ 499154 h 2024785"/>
-              <a:gd name="connsiteX33" fmla="*/ 1245167 w 1835725"/>
-              <a:gd name="connsiteY33" fmla="*/ 499154 h 2024785"/>
-              <a:gd name="connsiteX34" fmla="*/ 1203638 w 1835725"/>
-              <a:gd name="connsiteY34" fmla="*/ 484104 h 2024785"/>
-              <a:gd name="connsiteX35" fmla="*/ 900647 w 1835725"/>
-              <a:gd name="connsiteY35" fmla="*/ 281508 h 2024785"/>
-              <a:gd name="connsiteX36" fmla="*/ 872454 w 1835725"/>
-              <a:gd name="connsiteY36" fmla="*/ 196164 h 2024785"/>
-              <a:gd name="connsiteX37" fmla="*/ 957797 w 1835725"/>
-              <a:gd name="connsiteY37" fmla="*/ 167970 h 2024785"/>
-            </a:gdLst>
-            <a:ahLst/>
-            <a:cxnLst>
-              <a:cxn ang="0">
-                <a:pos x="connsiteX0" y="connsiteY0"/>
-              </a:cxn>
-              <a:cxn ang="0">
-                <a:pos x="connsiteX1" y="connsiteY1"/>
-              </a:cxn>
-              <a:cxn ang="0">
-                <a:pos x="connsiteX2" y="connsiteY2"/>
-              </a:cxn>
-              <a:cxn ang="0">
-                <a:pos x="connsiteX3" y="connsiteY3"/>
-              </a:cxn>
-              <a:cxn ang="0">
-                <a:pos x="connsiteX4" y="connsiteY4"/>
-              </a:cxn>
-              <a:cxn ang="0">
-                <a:pos x="connsiteX5" y="connsiteY5"/>
-              </a:cxn>
-              <a:cxn ang="0">
-                <a:pos x="connsiteX6" y="connsiteY6"/>
-              </a:cxn>
-              <a:cxn ang="0">
-                <a:pos x="connsiteX7" y="connsiteY7"/>
-              </a:cxn>
-              <a:cxn ang="0">
-                <a:pos x="connsiteX8" y="connsiteY8"/>
-              </a:cxn>
-              <a:cxn ang="0">
-                <a:pos x="connsiteX9" y="connsiteY9"/>
-              </a:cxn>
-              <a:cxn ang="0">
-                <a:pos x="connsiteX10" y="connsiteY10"/>
-              </a:cxn>
-              <a:cxn ang="0">
-                <a:pos x="connsiteX11" y="connsiteY11"/>
-              </a:cxn>
-              <a:cxn ang="0">
-                <a:pos x="connsiteX12" y="connsiteY12"/>
-              </a:cxn>
-              <a:cxn ang="0">
-                <a:pos x="connsiteX13" y="connsiteY13"/>
-              </a:cxn>
-              <a:cxn ang="0">
-                <a:pos x="connsiteX14" y="connsiteY14"/>
-              </a:cxn>
-              <a:cxn ang="0">
-                <a:pos x="connsiteX15" y="connsiteY15"/>
-              </a:cxn>
-              <a:cxn ang="0">
-                <a:pos x="connsiteX16" y="connsiteY16"/>
-              </a:cxn>
-              <a:cxn ang="0">
-                <a:pos x="connsiteX17" y="connsiteY17"/>
-              </a:cxn>
-              <a:cxn ang="0">
-                <a:pos x="connsiteX18" y="connsiteY18"/>
-              </a:cxn>
-              <a:cxn ang="0">
-                <a:pos x="connsiteX19" y="connsiteY19"/>
-              </a:cxn>
-              <a:cxn ang="0">
-                <a:pos x="connsiteX20" y="connsiteY20"/>
-              </a:cxn>
-              <a:cxn ang="0">
-                <a:pos x="connsiteX21" y="connsiteY21"/>
-              </a:cxn>
-              <a:cxn ang="0">
-                <a:pos x="connsiteX22" y="connsiteY22"/>
-              </a:cxn>
-              <a:cxn ang="0">
-                <a:pos x="connsiteX23" y="connsiteY23"/>
-              </a:cxn>
-              <a:cxn ang="0">
-                <a:pos x="connsiteX24" y="connsiteY24"/>
-              </a:cxn>
-              <a:cxn ang="0">
-                <a:pos x="connsiteX25" y="connsiteY25"/>
-              </a:cxn>
-              <a:cxn ang="0">
-                <a:pos x="connsiteX26" y="connsiteY26"/>
-              </a:cxn>
-              <a:cxn ang="0">
-                <a:pos x="connsiteX27" y="connsiteY27"/>
-              </a:cxn>
-              <a:cxn ang="0">
-                <a:pos x="connsiteX28" y="connsiteY28"/>
-              </a:cxn>
-              <a:cxn ang="0">
-                <a:pos x="connsiteX29" y="connsiteY29"/>
-              </a:cxn>
-              <a:cxn ang="0">
-                <a:pos x="connsiteX30" y="connsiteY30"/>
-              </a:cxn>
-              <a:cxn ang="0">
-                <a:pos x="connsiteX31" y="connsiteY31"/>
-              </a:cxn>
-              <a:cxn ang="0">
-                <a:pos x="connsiteX32" y="connsiteY32"/>
-              </a:cxn>
-              <a:cxn ang="0">
-                <a:pos x="connsiteX33" y="connsiteY33"/>
-              </a:cxn>
-              <a:cxn ang="0">
-                <a:pos x="connsiteX34" y="connsiteY34"/>
-              </a:cxn>
-              <a:cxn ang="0">
-                <a:pos x="connsiteX35" y="connsiteY35"/>
-              </a:cxn>
-              <a:cxn ang="0">
-                <a:pos x="connsiteX36" y="connsiteY36"/>
-              </a:cxn>
-              <a:cxn ang="0">
-                <a:pos x="connsiteX37" y="connsiteY37"/>
-              </a:cxn>
-            </a:cxnLst>
-            <a:rect l="l" t="t" r="r" b="b"/>
-            <a:pathLst>
-              <a:path w="1835725" h="2024785">
-                <a:moveTo>
-                  <a:pt x="1801138" y="1622662"/>
-                </a:moveTo>
-                <a:cubicBezTo>
-                  <a:pt x="1822105" y="1633400"/>
-                  <a:pt x="1836117" y="1655372"/>
-                  <a:pt x="1835717" y="1680254"/>
-                </a:cubicBezTo>
-                <a:cubicBezTo>
-                  <a:pt x="1832093" y="1746382"/>
-                  <a:pt x="1824354" y="1812154"/>
-                  <a:pt x="1812568" y="1877193"/>
-                </a:cubicBezTo>
-                <a:lnTo>
-                  <a:pt x="1776210" y="2024785"/>
-                </a:lnTo>
-                <a:lnTo>
-                  <a:pt x="1655772" y="1983449"/>
-                </a:lnTo>
-                <a:lnTo>
-                  <a:pt x="1687591" y="1854495"/>
-                </a:lnTo>
-                <a:cubicBezTo>
-                  <a:pt x="1698455" y="1794657"/>
-                  <a:pt x="1705590" y="1734142"/>
-                  <a:pt x="1708939" y="1673301"/>
-                </a:cubicBezTo>
-                <a:cubicBezTo>
-                  <a:pt x="1712216" y="1638363"/>
-                  <a:pt x="1743190" y="1612703"/>
-                  <a:pt x="1778129" y="1615979"/>
-                </a:cubicBezTo>
-                <a:cubicBezTo>
-                  <a:pt x="1786387" y="1616753"/>
-                  <a:pt x="1794149" y="1619084"/>
-                  <a:pt x="1801138" y="1622662"/>
-                </a:cubicBezTo>
-                <a:close/>
-                <a:moveTo>
-                  <a:pt x="1585229" y="764759"/>
-                </a:moveTo>
-                <a:cubicBezTo>
-                  <a:pt x="1600438" y="768789"/>
-                  <a:pt x="1614156" y="778436"/>
-                  <a:pt x="1623024" y="792810"/>
-                </a:cubicBezTo>
-                <a:cubicBezTo>
-                  <a:pt x="1689575" y="907319"/>
-                  <a:pt x="1741505" y="1029715"/>
-                  <a:pt x="1777614" y="1157141"/>
-                </a:cubicBezTo>
-                <a:cubicBezTo>
-                  <a:pt x="1787149" y="1190888"/>
-                  <a:pt x="1767537" y="1225969"/>
-                  <a:pt x="1733799" y="1235532"/>
-                </a:cubicBezTo>
-                <a:cubicBezTo>
-                  <a:pt x="1728151" y="1237046"/>
-                  <a:pt x="1722312" y="1237780"/>
-                  <a:pt x="1716464" y="1237722"/>
-                </a:cubicBezTo>
-                <a:lnTo>
-                  <a:pt x="1716464" y="1237913"/>
-                </a:lnTo>
-                <a:cubicBezTo>
-                  <a:pt x="1688070" y="1237913"/>
-                  <a:pt x="1663124" y="1219044"/>
-                  <a:pt x="1655409" y="1191717"/>
-                </a:cubicBezTo>
-                <a:cubicBezTo>
-                  <a:pt x="1622214" y="1074512"/>
-                  <a:pt x="1574437" y="961936"/>
-                  <a:pt x="1513200" y="856627"/>
-                </a:cubicBezTo>
-                <a:cubicBezTo>
-                  <a:pt x="1496379" y="825834"/>
-                  <a:pt x="1507704" y="787236"/>
-                  <a:pt x="1538499" y="770415"/>
-                </a:cubicBezTo>
-                <a:cubicBezTo>
-                  <a:pt x="1553325" y="762319"/>
-                  <a:pt x="1570022" y="760730"/>
-                  <a:pt x="1585229" y="764759"/>
-                </a:cubicBezTo>
-                <a:close/>
-                <a:moveTo>
-                  <a:pt x="477919" y="21437"/>
-                </a:moveTo>
-                <a:cubicBezTo>
-                  <a:pt x="499341" y="33775"/>
-                  <a:pt x="512445" y="58102"/>
-                  <a:pt x="509236" y="84182"/>
-                </a:cubicBezTo>
-                <a:cubicBezTo>
-                  <a:pt x="505303" y="116151"/>
-                  <a:pt x="478038" y="140098"/>
-                  <a:pt x="445829" y="139871"/>
-                </a:cubicBezTo>
-                <a:cubicBezTo>
-                  <a:pt x="443027" y="139899"/>
-                  <a:pt x="440227" y="139740"/>
-                  <a:pt x="437447" y="139395"/>
-                </a:cubicBezTo>
-                <a:cubicBezTo>
-                  <a:pt x="316592" y="123615"/>
-                  <a:pt x="194247" y="122878"/>
-                  <a:pt x="73211" y="137204"/>
-                </a:cubicBezTo>
-                <a:cubicBezTo>
-                  <a:pt x="38532" y="142545"/>
-                  <a:pt x="6090" y="118762"/>
-                  <a:pt x="749" y="84082"/>
-                </a:cubicBezTo>
-                <a:cubicBezTo>
-                  <a:pt x="-4591" y="49403"/>
-                  <a:pt x="19192" y="16961"/>
-                  <a:pt x="53871" y="11621"/>
-                </a:cubicBezTo>
-                <a:cubicBezTo>
-                  <a:pt x="55358" y="11392"/>
-                  <a:pt x="56852" y="11216"/>
-                  <a:pt x="58352" y="11093"/>
-                </a:cubicBezTo>
-                <a:cubicBezTo>
-                  <a:pt x="189834" y="-4456"/>
-                  <a:pt x="322735" y="-3656"/>
-                  <a:pt x="454020" y="13474"/>
-                </a:cubicBezTo>
-                <a:cubicBezTo>
-                  <a:pt x="462713" y="14543"/>
-                  <a:pt x="470778" y="17324"/>
-                  <a:pt x="477919" y="21437"/>
-                </a:cubicBezTo>
-                <a:close/>
-                <a:moveTo>
-                  <a:pt x="957797" y="167970"/>
-                </a:moveTo>
-                <a:cubicBezTo>
-                  <a:pt x="1076184" y="227289"/>
-                  <a:pt x="1186759" y="301068"/>
-                  <a:pt x="1286982" y="387616"/>
-                </a:cubicBezTo>
-                <a:cubicBezTo>
-                  <a:pt x="1313547" y="410457"/>
-                  <a:pt x="1316566" y="450510"/>
-                  <a:pt x="1293725" y="477075"/>
-                </a:cubicBezTo>
-                <a:cubicBezTo>
-                  <a:pt x="1281638" y="491137"/>
-                  <a:pt x="1263998" y="499204"/>
-                  <a:pt x="1245453" y="499154"/>
-                </a:cubicBezTo>
-                <a:lnTo>
-                  <a:pt x="1245167" y="499154"/>
-                </a:lnTo>
-                <a:cubicBezTo>
-                  <a:pt x="1229965" y="499301"/>
-                  <a:pt x="1215220" y="493956"/>
-                  <a:pt x="1203638" y="484104"/>
-                </a:cubicBezTo>
-                <a:cubicBezTo>
-                  <a:pt x="1111407" y="404300"/>
-                  <a:pt x="1009633" y="336248"/>
-                  <a:pt x="900647" y="281508"/>
-                </a:cubicBezTo>
-                <a:cubicBezTo>
-                  <a:pt x="869295" y="265726"/>
-                  <a:pt x="856672" y="227516"/>
-                  <a:pt x="872454" y="196164"/>
-                </a:cubicBezTo>
-                <a:cubicBezTo>
-                  <a:pt x="888235" y="164811"/>
-                  <a:pt x="926445" y="152188"/>
-                  <a:pt x="957797" y="167970"/>
-                </a:cubicBezTo>
-                <a:close/>
-              </a:path>
-            </a:pathLst>
-          </a:custGeom>
-          <a:solidFill>
-            <a:schemeClr val="accent4"/>
-          </a:solidFill>
-          <a:ln w="9525" cap="flat">
-            <a:noFill/>
-            <a:prstDash val="solid"/>
-            <a:miter/>
-          </a:ln>
-        </p:spPr>
-        <p:txBody>
-          <a:bodyPr rtlCol="0" anchor="ctr"/>
-          <a:lstStyle/>
-          <a:p>
-            <a:endParaRPr lang="en-US"/>
-          </a:p>
-        </p:txBody>
-      </p:sp>
-      <p:sp>
-        <p:nvSpPr>
-          <p:cNvPr id="26" name="Freeform: Shape 25">
-            <a:extLst>
-              <a:ext uri="{FF2B5EF4-FFF2-40B4-BE49-F238E27FC236}">
-                <a16:creationId xmlns:a16="http://schemas.microsoft.com/office/drawing/2014/main" id="{75F47824-961D-465D-84F9-EAE11BC6173B}"/>
-              </a:ext>
-              <a:ext uri="{C183D7F6-B498-43B3-948B-1728B52AA6E4}">
-                <adec:decorative xmlns:adec="http://schemas.microsoft.com/office/drawing/2017/decorative" val="1"/>
-              </a:ext>
-            </a:extLst>
-          </p:cNvPr>
-          <p:cNvSpPr>
-            <a:spLocks noGrp="1" noRot="1" noChangeAspect="1" noMove="1" noResize="1" noEditPoints="1" noAdjustHandles="1" noChangeArrowheads="1" noChangeShapeType="1" noTextEdit="1"/>
-          </p:cNvSpPr>
-          <p:nvPr>
-            <p:extLst>
-              <p:ext uri="{386F3935-93C4-4BCD-93E2-E3B085C9AB24}">
-                <p16:designElem xmlns:p16="http://schemas.microsoft.com/office/powerpoint/2015/main" val="1"/>
-              </p:ext>
-            </p:extLst>
-          </p:nvPr>
-        </p:nvSpPr>
-        <p:spPr>
-          <a:xfrm>
-            <a:off x="6809527" y="6033795"/>
-            <a:ext cx="1991064" cy="824205"/>
-          </a:xfrm>
-          <a:custGeom>
-            <a:avLst/>
-            <a:gdLst>
-              <a:gd name="connsiteX0" fmla="*/ 995532 w 1991064"/>
-              <a:gd name="connsiteY0" fmla="*/ 0 h 824205"/>
-              <a:gd name="connsiteX1" fmla="*/ 1984823 w 1991064"/>
-              <a:gd name="connsiteY1" fmla="*/ 784423 h 824205"/>
-              <a:gd name="connsiteX2" fmla="*/ 1991064 w 1991064"/>
-              <a:gd name="connsiteY2" fmla="*/ 824205 h 824205"/>
-              <a:gd name="connsiteX3" fmla="*/ 0 w 1991064"/>
-              <a:gd name="connsiteY3" fmla="*/ 824205 h 824205"/>
-              <a:gd name="connsiteX4" fmla="*/ 6241 w 1991064"/>
-              <a:gd name="connsiteY4" fmla="*/ 784423 h 824205"/>
-              <a:gd name="connsiteX5" fmla="*/ 995532 w 1991064"/>
-              <a:gd name="connsiteY5" fmla="*/ 0 h 824205"/>
-            </a:gdLst>
-            <a:ahLst/>
-            <a:cxnLst>
-              <a:cxn ang="0">
-                <a:pos x="connsiteX0" y="connsiteY0"/>
-              </a:cxn>
-              <a:cxn ang="0">
-                <a:pos x="connsiteX1" y="connsiteY1"/>
-              </a:cxn>
-              <a:cxn ang="0">
-                <a:pos x="connsiteX2" y="connsiteY2"/>
-              </a:cxn>
-              <a:cxn ang="0">
-                <a:pos x="connsiteX3" y="connsiteY3"/>
-              </a:cxn>
-              <a:cxn ang="0">
-                <a:pos x="connsiteX4" y="connsiteY4"/>
-              </a:cxn>
-              <a:cxn ang="0">
-                <a:pos x="connsiteX5" y="connsiteY5"/>
-              </a:cxn>
-            </a:cxnLst>
-            <a:rect l="l" t="t" r="r" b="b"/>
-            <a:pathLst>
-              <a:path w="1991064" h="824205">
-                <a:moveTo>
-                  <a:pt x="995532" y="0"/>
-                </a:moveTo>
-                <a:cubicBezTo>
-                  <a:pt x="1483521" y="0"/>
-                  <a:pt x="1890663" y="336754"/>
-                  <a:pt x="1984823" y="784423"/>
-                </a:cubicBezTo>
-                <a:lnTo>
-                  <a:pt x="1991064" y="824205"/>
-                </a:lnTo>
-                <a:lnTo>
-                  <a:pt x="0" y="824205"/>
-                </a:lnTo>
-                <a:lnTo>
-                  <a:pt x="6241" y="784423"/>
-                </a:lnTo>
-                <a:cubicBezTo>
-                  <a:pt x="100402" y="336754"/>
-                  <a:pt x="507544" y="0"/>
-                  <a:pt x="995532" y="0"/>
-                </a:cubicBezTo>
-                <a:close/>
-              </a:path>
-            </a:pathLst>
-          </a:custGeom>
-          <a:solidFill>
-            <a:schemeClr val="accent2"/>
-          </a:solidFill>
-          <a:ln>
-            <a:noFill/>
-          </a:ln>
-        </p:spPr>
-        <p:style>
-          <a:lnRef idx="2">
-            <a:schemeClr val="accent1">
-              <a:shade val="50000"/>
-            </a:schemeClr>
-          </a:lnRef>
-          <a:fillRef idx="1">
-            <a:schemeClr val="accent1"/>
-          </a:fillRef>
-          <a:effectRef idx="0">
-            <a:schemeClr val="accent1"/>
-          </a:effectRef>
-          <a:fontRef idx="minor">
-            <a:schemeClr val="lt1"/>
-          </a:fontRef>
-        </p:style>
-        <p:txBody>
-          <a:bodyPr wrap="square" rtlCol="0" anchor="ctr">
-            <a:noAutofit/>
-          </a:bodyPr>
-          <a:lstStyle/>
-          <a:p>
-            <a:pPr algn="ctr"/>
-            <a:endParaRPr lang="en-US" dirty="0"/>
-          </a:p>
-        </p:txBody>
-      </p:sp>
-      <p:sp>
-        <p:nvSpPr>
-          <p:cNvPr id="28" name="Freeform: Shape 27">
-            <a:extLst>
-              <a:ext uri="{FF2B5EF4-FFF2-40B4-BE49-F238E27FC236}">
-                <a16:creationId xmlns:a16="http://schemas.microsoft.com/office/drawing/2014/main" id="{FEC9DA3E-C1D7-472D-B7C0-F71AE41FBA23}"/>
-              </a:ext>
-              <a:ext uri="{C183D7F6-B498-43B3-948B-1728B52AA6E4}">
-                <adec:decorative xmlns:adec="http://schemas.microsoft.com/office/drawing/2017/decorative" val="1"/>
-              </a:ext>
-            </a:extLst>
-          </p:cNvPr>
-          <p:cNvSpPr>
-            <a:spLocks noGrp="1" noRot="1" noChangeAspect="1" noMove="1" noResize="1" noEditPoints="1" noAdjustHandles="1" noChangeArrowheads="1" noChangeShapeType="1" noTextEdit="1"/>
-          </p:cNvSpPr>
-          <p:nvPr>
-            <p:extLst>
-              <p:ext uri="{386F3935-93C4-4BCD-93E2-E3B085C9AB24}">
-                <p16:designElem xmlns:p16="http://schemas.microsoft.com/office/powerpoint/2015/main" val="1"/>
-              </p:ext>
-            </p:extLst>
-          </p:nvPr>
-        </p:nvSpPr>
-        <p:spPr>
-          <a:xfrm>
-            <a:off x="10851696" y="5519196"/>
-            <a:ext cx="1340305" cy="1338805"/>
-          </a:xfrm>
-          <a:custGeom>
-            <a:avLst/>
-            <a:gdLst>
-              <a:gd name="connsiteX0" fmla="*/ 61913 w 1340305"/>
-              <a:gd name="connsiteY0" fmla="*/ 0 h 1338805"/>
-              <a:gd name="connsiteX1" fmla="*/ 1340305 w 1340305"/>
-              <a:gd name="connsiteY1" fmla="*/ 0 h 1338805"/>
-              <a:gd name="connsiteX2" fmla="*/ 1340305 w 1340305"/>
-              <a:gd name="connsiteY2" fmla="*/ 123825 h 1338805"/>
-              <a:gd name="connsiteX3" fmla="*/ 123825 w 1340305"/>
-              <a:gd name="connsiteY3" fmla="*/ 123825 h 1338805"/>
-              <a:gd name="connsiteX4" fmla="*/ 123825 w 1340305"/>
-              <a:gd name="connsiteY4" fmla="*/ 1338805 h 1338805"/>
-              <a:gd name="connsiteX5" fmla="*/ 0 w 1340305"/>
-              <a:gd name="connsiteY5" fmla="*/ 1338805 h 1338805"/>
-              <a:gd name="connsiteX6" fmla="*/ 0 w 1340305"/>
-              <a:gd name="connsiteY6" fmla="*/ 61913 h 1338805"/>
-              <a:gd name="connsiteX7" fmla="*/ 61913 w 1340305"/>
-              <a:gd name="connsiteY7" fmla="*/ 0 h 1338805"/>
-            </a:gdLst>
-            <a:ahLst/>
-            <a:cxnLst>
-              <a:cxn ang="0">
-                <a:pos x="connsiteX0" y="connsiteY0"/>
-              </a:cxn>
-              <a:cxn ang="0">
-                <a:pos x="connsiteX1" y="connsiteY1"/>
-              </a:cxn>
-              <a:cxn ang="0">
-                <a:pos x="connsiteX2" y="connsiteY2"/>
-              </a:cxn>
-              <a:cxn ang="0">
-                <a:pos x="connsiteX3" y="connsiteY3"/>
-              </a:cxn>
-              <a:cxn ang="0">
-                <a:pos x="connsiteX4" y="connsiteY4"/>
-              </a:cxn>
-              <a:cxn ang="0">
-                <a:pos x="connsiteX5" y="connsiteY5"/>
-              </a:cxn>
-              <a:cxn ang="0">
-                <a:pos x="connsiteX6" y="connsiteY6"/>
-              </a:cxn>
-              <a:cxn ang="0">
-                <a:pos x="connsiteX7" y="connsiteY7"/>
-              </a:cxn>
-            </a:cxnLst>
-            <a:rect l="l" t="t" r="r" b="b"/>
-            <a:pathLst>
-              <a:path w="1340305" h="1338805">
-                <a:moveTo>
-                  <a:pt x="61913" y="0"/>
-                </a:moveTo>
-                <a:lnTo>
-                  <a:pt x="1340305" y="0"/>
-                </a:lnTo>
-                <a:lnTo>
-                  <a:pt x="1340305" y="123825"/>
-                </a:lnTo>
-                <a:lnTo>
-                  <a:pt x="123825" y="123825"/>
-                </a:lnTo>
-                <a:lnTo>
-                  <a:pt x="123825" y="1338805"/>
-                </a:lnTo>
-                <a:lnTo>
-                  <a:pt x="0" y="1338805"/>
-                </a:lnTo>
-                <a:lnTo>
-                  <a:pt x="0" y="61913"/>
-                </a:lnTo>
-                <a:cubicBezTo>
-                  <a:pt x="0" y="27719"/>
-                  <a:pt x="27719" y="0"/>
-                  <a:pt x="61913" y="0"/>
-                </a:cubicBezTo>
-                <a:close/>
-              </a:path>
-            </a:pathLst>
-          </a:custGeom>
-          <a:solidFill>
-            <a:schemeClr val="accent6"/>
-          </a:solidFill>
-          <a:ln w="9525" cap="flat">
-            <a:noFill/>
-            <a:prstDash val="solid"/>
-            <a:miter/>
-          </a:ln>
-        </p:spPr>
-        <p:txBody>
-          <a:bodyPr rtlCol="0" anchor="ctr"/>
-          <a:lstStyle/>
-          <a:p>
-            <a:endParaRPr lang="en-US"/>
-          </a:p>
-        </p:txBody>
-      </p:sp>
-    </p:spTree>
-    <p:extLst>
-      <p:ext uri="{BB962C8B-B14F-4D97-AF65-F5344CB8AC3E}">
-        <p14:creationId xmlns:p14="http://schemas.microsoft.com/office/powerpoint/2010/main" val="3258010512"/>
       </p:ext>
     </p:extLst>
   </p:cSld>
